--- a/images/loggo.png.pptx
+++ b/images/loggo.png.pptx
@@ -106,6 +106,11 @@
       </a:defRPr>
     </a:lvl9pPr>
   </p:defaultTextStyle>
+  <p:extLst>
+    <p:ext uri="{EFAFB233-063F-42B5-8137-9DF3F51BA10A}">
+      <p15:sldGuideLst xmlns:p15="http://schemas.microsoft.com/office/powerpoint/2012/main"/>
+    </p:ext>
+  </p:extLst>
 </p:presentation>
 </file>
 
@@ -258,7 +263,7 @@
           <a:p>
             <a:fld id="{9A1673A3-88F0-48CB-A47F-54F3607C3593}" type="datetimeFigureOut">
               <a:rPr lang="en-IN" smtClean="0"/>
-              <a:t>16-05-2023</a:t>
+              <a:t>19-05-2023</a:t>
             </a:fld>
             <a:endParaRPr lang="en-IN"/>
           </a:p>
@@ -458,7 +463,7 @@
           <a:p>
             <a:fld id="{9A1673A3-88F0-48CB-A47F-54F3607C3593}" type="datetimeFigureOut">
               <a:rPr lang="en-IN" smtClean="0"/>
-              <a:t>16-05-2023</a:t>
+              <a:t>19-05-2023</a:t>
             </a:fld>
             <a:endParaRPr lang="en-IN"/>
           </a:p>
@@ -668,7 +673,7 @@
           <a:p>
             <a:fld id="{9A1673A3-88F0-48CB-A47F-54F3607C3593}" type="datetimeFigureOut">
               <a:rPr lang="en-IN" smtClean="0"/>
-              <a:t>16-05-2023</a:t>
+              <a:t>19-05-2023</a:t>
             </a:fld>
             <a:endParaRPr lang="en-IN"/>
           </a:p>
@@ -868,7 +873,7 @@
           <a:p>
             <a:fld id="{9A1673A3-88F0-48CB-A47F-54F3607C3593}" type="datetimeFigureOut">
               <a:rPr lang="en-IN" smtClean="0"/>
-              <a:t>16-05-2023</a:t>
+              <a:t>19-05-2023</a:t>
             </a:fld>
             <a:endParaRPr lang="en-IN"/>
           </a:p>
@@ -1144,7 +1149,7 @@
           <a:p>
             <a:fld id="{9A1673A3-88F0-48CB-A47F-54F3607C3593}" type="datetimeFigureOut">
               <a:rPr lang="en-IN" smtClean="0"/>
-              <a:t>16-05-2023</a:t>
+              <a:t>19-05-2023</a:t>
             </a:fld>
             <a:endParaRPr lang="en-IN"/>
           </a:p>
@@ -1412,7 +1417,7 @@
           <a:p>
             <a:fld id="{9A1673A3-88F0-48CB-A47F-54F3607C3593}" type="datetimeFigureOut">
               <a:rPr lang="en-IN" smtClean="0"/>
-              <a:t>16-05-2023</a:t>
+              <a:t>19-05-2023</a:t>
             </a:fld>
             <a:endParaRPr lang="en-IN"/>
           </a:p>
@@ -1827,7 +1832,7 @@
           <a:p>
             <a:fld id="{9A1673A3-88F0-48CB-A47F-54F3607C3593}" type="datetimeFigureOut">
               <a:rPr lang="en-IN" smtClean="0"/>
-              <a:t>16-05-2023</a:t>
+              <a:t>19-05-2023</a:t>
             </a:fld>
             <a:endParaRPr lang="en-IN"/>
           </a:p>
@@ -1969,7 +1974,7 @@
           <a:p>
             <a:fld id="{9A1673A3-88F0-48CB-A47F-54F3607C3593}" type="datetimeFigureOut">
               <a:rPr lang="en-IN" smtClean="0"/>
-              <a:t>16-05-2023</a:t>
+              <a:t>19-05-2023</a:t>
             </a:fld>
             <a:endParaRPr lang="en-IN"/>
           </a:p>
@@ -2082,7 +2087,7 @@
           <a:p>
             <a:fld id="{9A1673A3-88F0-48CB-A47F-54F3607C3593}" type="datetimeFigureOut">
               <a:rPr lang="en-IN" smtClean="0"/>
-              <a:t>16-05-2023</a:t>
+              <a:t>19-05-2023</a:t>
             </a:fld>
             <a:endParaRPr lang="en-IN"/>
           </a:p>
@@ -2395,7 +2400,7 @@
           <a:p>
             <a:fld id="{9A1673A3-88F0-48CB-A47F-54F3607C3593}" type="datetimeFigureOut">
               <a:rPr lang="en-IN" smtClean="0"/>
-              <a:t>16-05-2023</a:t>
+              <a:t>19-05-2023</a:t>
             </a:fld>
             <a:endParaRPr lang="en-IN"/>
           </a:p>
@@ -2684,7 +2689,7 @@
           <a:p>
             <a:fld id="{9A1673A3-88F0-48CB-A47F-54F3607C3593}" type="datetimeFigureOut">
               <a:rPr lang="en-IN" smtClean="0"/>
-              <a:t>16-05-2023</a:t>
+              <a:t>19-05-2023</a:t>
             </a:fld>
             <a:endParaRPr lang="en-IN"/>
           </a:p>
@@ -2927,7 +2932,7 @@
           <a:p>
             <a:fld id="{9A1673A3-88F0-48CB-A47F-54F3607C3593}" type="datetimeFigureOut">
               <a:rPr lang="en-IN" smtClean="0"/>
-              <a:t>16-05-2023</a:t>
+              <a:t>19-05-2023</a:t>
             </a:fld>
             <a:endParaRPr lang="en-IN"/>
           </a:p>
@@ -3712,12 +3717,19 @@
             <p:ph idx="1"/>
           </p:nvPr>
         </p:nvSpPr>
-        <p:spPr/>
-        <p:txBody>
-          <a:bodyPr/>
-          <a:lstStyle/>
-          <a:p>
-            <a:endParaRPr lang="en-IN"/>
+        <p:spPr>
+          <a:xfrm flipV="1">
+            <a:off x="838200" y="6176962"/>
+            <a:ext cx="10515600" cy="147637"/>
+          </a:xfrm>
+        </p:spPr>
+        <p:txBody>
+          <a:bodyPr>
+            <a:normAutofit fontScale="25000" lnSpcReduction="20000"/>
+          </a:bodyPr>
+          <a:lstStyle/>
+          <a:p>
+            <a:endParaRPr lang="en-IN" dirty="0"/>
           </a:p>
         </p:txBody>
       </p:sp>
@@ -3737,7 +3749,26 @@
         </p:nvPicPr>
         <p:blipFill>
           <a:blip r:embed="rId2">
-            <a:extLst>
+            <a:duotone>
+              <a:prstClr val="black"/>
+              <a:srgbClr val="4472C4">
+                <a:tint val="45000"/>
+                <a:satMod val="400000"/>
+              </a:srgbClr>
+            </a:duotone>
+            <a:extLst>
+              <a:ext uri="{BEBA8EAE-BF5A-486C-A8C5-ECC9F3942E4B}">
+                <a14:imgProps xmlns:a14="http://schemas.microsoft.com/office/drawing/2010/main">
+                  <a14:imgLayer r:embed="rId3">
+                    <a14:imgEffect>
+                      <a14:backgroundRemoval t="10000" b="90000" l="10000" r="90000">
+                        <a14:foregroundMark x1="40934" y1="39130" x2="40934" y2="39130"/>
+                        <a14:foregroundMark x1="37088" y1="67391" x2="37088" y2="67391"/>
+                      </a14:backgroundRemoval>
+                    </a14:imgEffect>
+                  </a14:imgLayer>
+                </a14:imgProps>
+              </a:ext>
               <a:ext uri="{28A0092B-C50C-407E-A947-70E740481C1C}">
                 <a14:useLocalDpi xmlns:a14="http://schemas.microsoft.com/office/drawing/2010/main" val="0"/>
               </a:ext>
@@ -3749,8 +3780,8 @@
         </p:blipFill>
         <p:spPr>
           <a:xfrm>
-            <a:off x="1127760" y="1304663"/>
-            <a:ext cx="8036438" cy="4062375"/>
+            <a:off x="1127760" y="1584504"/>
+            <a:ext cx="7315200" cy="3782534"/>
           </a:xfrm>
           <a:prstGeom prst="rect">
             <a:avLst/>
